--- a/docs/Previsao_Incidentes_PPT.pptx
+++ b/docs/Previsao_Incidentes_PPT.pptx
@@ -22227,7 +22227,7 @@
       </p:grpSpPr>
       <p:pic>
         <p:nvPicPr>
-          <p:cNvPr id="7" name="Picture 6"/>
+          <p:cNvPr id="2" name="Picture 1"/>
           <p:cNvPicPr>
             <a:picLocks noChangeAspect="1"/>
           </p:cNvPicPr>
